--- a/presentation.pptx
+++ b/presentation.pptx
@@ -5,16 +5,22 @@
     <p:sldMasterId id="2147483648" r:id="rId1"/>
   </p:sldMasterIdLst>
   <p:notesMasterIdLst>
-    <p:notesMasterId r:id="rId6"/>
+    <p:notesMasterId r:id="rId12"/>
   </p:notesMasterIdLst>
   <p:handoutMasterIdLst>
-    <p:handoutMasterId r:id="rId7"/>
+    <p:handoutMasterId r:id="rId13"/>
   </p:handoutMasterIdLst>
   <p:sldIdLst>
     <p:sldId id="256" r:id="rId2"/>
     <p:sldId id="257" r:id="rId3"/>
     <p:sldId id="258" r:id="rId4"/>
     <p:sldId id="259" r:id="rId5"/>
+    <p:sldId id="260" r:id="rId6"/>
+    <p:sldId id="261" r:id="rId7"/>
+    <p:sldId id="262" r:id="rId8"/>
+    <p:sldId id="263" r:id="rId9"/>
+    <p:sldId id="265" r:id="rId10"/>
+    <p:sldId id="264" r:id="rId11"/>
   </p:sldIdLst>
   <p:sldSz cx="12192000" cy="6858000"/>
   <p:notesSz cx="6858000" cy="9144000"/>
@@ -122,6 +128,12 @@
             <p14:sldId id="257"/>
             <p14:sldId id="258"/>
             <p14:sldId id="259"/>
+            <p14:sldId id="260"/>
+            <p14:sldId id="261"/>
+            <p14:sldId id="262"/>
+            <p14:sldId id="263"/>
+            <p14:sldId id="265"/>
+            <p14:sldId id="264"/>
           </p14:sldIdLst>
         </p14:section>
       </p14:sectionLst>
@@ -186,6 +198,10 @@
     </p:ext>
   </p:extLst>
 </p:presentation>
+</file>
+
+<file path=ppt/revisionInfo.xml><?xml version="1.0" encoding="utf-8"?>
+<p1510:revInfo xmlns:a="http://schemas.openxmlformats.org/drawingml/2006/main" xmlns:r="http://schemas.openxmlformats.org/officeDocument/2006/relationships" xmlns:p1510="http://schemas.microsoft.com/office/powerpoint/2015/10/main"/>
 </file>
 
 <file path=ppt/handoutMasters/handoutMaster1.xml><?xml version="1.0" encoding="utf-8"?>
@@ -278,7 +294,7 @@
                   <a:schemeClr val="tx2"/>
                 </a:solidFill>
               </a:rPr>
-              <a:t>10.5.2018</a:t>
+              <a:t>17.5.2018</a:t>
             </a:fld>
             <a:endParaRPr lang="fi-FI" sz="800">
               <a:solidFill>
@@ -468,7 +484,7 @@
             <a:fld id="{BA26D6D7-5E7E-4BD6-A575-CE5D3DE927F3}" type="datetimeFigureOut">
               <a:rPr lang="fi-FI" smtClean="0"/>
               <a:pPr/>
-              <a:t>10.5.2018</a:t>
+              <a:t>17.5.2018</a:t>
             </a:fld>
             <a:endParaRPr lang="fi-FI"/>
           </a:p>
@@ -884,7 +900,7 @@
           <a:p>
             <a:fld id="{CC145B7F-4FA6-4CD3-9FB7-6A682D8317B7}" type="datetime1">
               <a:rPr lang="en-GB" noProof="0" smtClean="0"/>
-              <a:t>10/05/2018</a:t>
+              <a:t>17/05/2018</a:t>
             </a:fld>
             <a:endParaRPr lang="en-GB" noProof="0" dirty="0"/>
           </a:p>
@@ -3336,7 +3352,7 @@
           <a:p>
             <a:fld id="{A97B203B-A842-4E2F-96A2-73B8E1ED7F89}" type="datetime1">
               <a:rPr lang="en-GB" noProof="0" smtClean="0"/>
-              <a:t>10/05/2018</a:t>
+              <a:t>17/05/2018</a:t>
             </a:fld>
             <a:endParaRPr lang="en-GB" noProof="0" dirty="0"/>
           </a:p>
@@ -3471,7 +3487,7 @@
           <a:p>
             <a:fld id="{97235492-FDD8-4749-B741-8294BA00DA30}" type="datetime1">
               <a:rPr lang="en-GB" noProof="0" smtClean="0"/>
-              <a:t>10/05/2018</a:t>
+              <a:t>17/05/2018</a:t>
             </a:fld>
             <a:endParaRPr lang="en-GB" noProof="0" dirty="0"/>
           </a:p>
@@ -3807,7 +3823,7 @@
           <a:p>
             <a:fld id="{9A9540DF-4977-4512-BBA3-9DE0B4B1011E}" type="datetime1">
               <a:rPr lang="en-GB" noProof="0" smtClean="0"/>
-              <a:t>10/05/2018</a:t>
+              <a:t>17/05/2018</a:t>
             </a:fld>
             <a:endParaRPr lang="en-GB" noProof="0" dirty="0"/>
           </a:p>
@@ -4257,7 +4273,7 @@
           <a:p>
             <a:fld id="{B291E7BB-139D-4848-B1FA-CA2DE97A531A}" type="datetime1">
               <a:rPr lang="en-GB" noProof="0" smtClean="0"/>
-              <a:t>10/05/2018</a:t>
+              <a:t>17/05/2018</a:t>
             </a:fld>
             <a:endParaRPr lang="en-GB" noProof="0" dirty="0"/>
           </a:p>
@@ -4449,7 +4465,7 @@
           <a:p>
             <a:fld id="{65A04003-3BE0-4C92-BF73-1619A2CDF323}" type="datetime1">
               <a:rPr lang="en-GB" noProof="0" smtClean="0"/>
-              <a:t>10/05/2018</a:t>
+              <a:t>17/05/2018</a:t>
             </a:fld>
             <a:endParaRPr lang="en-GB" noProof="0" dirty="0"/>
           </a:p>
@@ -4561,7 +4577,7 @@
           <a:p>
             <a:fld id="{B2C4D20D-CE18-4303-9D40-C5E234BC7256}" type="datetime1">
               <a:rPr lang="en-GB" noProof="0" smtClean="0"/>
-              <a:t>10/05/2018</a:t>
+              <a:t>17/05/2018</a:t>
             </a:fld>
             <a:endParaRPr lang="en-GB" noProof="0" dirty="0"/>
           </a:p>
@@ -6839,7 +6855,7 @@
           <a:p>
             <a:fld id="{91C61DAC-8684-47C1-9F5D-C63ABD01E052}" type="datetime1">
               <a:rPr lang="en-GB" noProof="0" smtClean="0"/>
-              <a:t>10/05/2018</a:t>
+              <a:t>17/05/2018</a:t>
             </a:fld>
             <a:endParaRPr lang="en-GB" noProof="0" dirty="0"/>
           </a:p>
@@ -7097,7 +7113,7 @@
           <a:p>
             <a:fld id="{5382C828-C2FE-4C05-A5A9-6F0E72BF0E82}" type="datetime1">
               <a:rPr lang="en-GB" noProof="0" smtClean="0"/>
-              <a:t>10/05/2018</a:t>
+              <a:t>17/05/2018</a:t>
             </a:fld>
             <a:endParaRPr lang="en-GB" noProof="0" dirty="0"/>
           </a:p>
@@ -9483,7 +9499,7 @@
           <a:p>
             <a:fld id="{4DA78FE5-7C60-49CF-AE14-3F77FACBC751}" type="datetime1">
               <a:rPr lang="en-GB" noProof="0" smtClean="0"/>
-              <a:t>10/05/2018</a:t>
+              <a:t>17/05/2018</a:t>
             </a:fld>
             <a:endParaRPr lang="en-GB" noProof="0" dirty="0"/>
           </a:p>
@@ -11842,7 +11858,7 @@
           <a:p>
             <a:fld id="{F270F7B8-7C7E-45AC-8252-66C668AF1096}" type="datetime1">
               <a:rPr lang="en-GB" noProof="0" smtClean="0"/>
-              <a:t>10/05/2018</a:t>
+              <a:t>17/05/2018</a:t>
             </a:fld>
             <a:endParaRPr lang="en-GB" noProof="0" dirty="0"/>
           </a:p>
@@ -14171,7 +14187,7 @@
           <a:p>
             <a:fld id="{5EB9F703-865B-4917-B378-D43486E7ACAA}" type="datetime1">
               <a:rPr lang="en-GB" noProof="0" smtClean="0"/>
-              <a:t>10/05/2018</a:t>
+              <a:t>17/05/2018</a:t>
             </a:fld>
             <a:endParaRPr lang="en-GB" noProof="0" dirty="0"/>
           </a:p>
@@ -16628,7 +16644,7 @@
           <a:p>
             <a:fld id="{35D6A6FB-F282-472E-8BDA-4F9E3779124A}" type="datetime1">
               <a:rPr lang="en-GB" noProof="0" smtClean="0"/>
-              <a:t>10/05/2018</a:t>
+              <a:t>17/05/2018</a:t>
             </a:fld>
             <a:endParaRPr lang="en-GB" noProof="0" dirty="0"/>
           </a:p>
@@ -19028,7 +19044,7 @@
           <a:p>
             <a:fld id="{9B48B5A1-BE65-416F-BDD3-8483A7D06AA6}" type="datetime1">
               <a:rPr lang="en-GB" noProof="0" smtClean="0"/>
-              <a:t>10/05/2018</a:t>
+              <a:t>17/05/2018</a:t>
             </a:fld>
             <a:endParaRPr lang="en-GB" noProof="0" dirty="0"/>
           </a:p>
@@ -21428,7 +21444,7 @@
           <a:p>
             <a:fld id="{20CCB191-C7BA-48A0-A787-AA7C89D5BD07}" type="datetime1">
               <a:rPr lang="en-GB" noProof="0" smtClean="0"/>
-              <a:t>10/05/2018</a:t>
+              <a:t>17/05/2018</a:t>
             </a:fld>
             <a:endParaRPr lang="en-GB" noProof="0" dirty="0"/>
           </a:p>
@@ -23887,7 +23903,7 @@
           <a:p>
             <a:fld id="{7B039922-A821-43A4-A5DE-984048D5B315}" type="datetime1">
               <a:rPr lang="en-GB" noProof="0" smtClean="0"/>
-              <a:t>10/05/2018</a:t>
+              <a:t>17/05/2018</a:t>
             </a:fld>
             <a:endParaRPr lang="en-GB" noProof="0" dirty="0"/>
           </a:p>
@@ -24120,7 +24136,7 @@
           <a:p>
             <a:fld id="{081E7FB3-0233-47E3-982B-03F2EFF26697}" type="datetime1">
               <a:rPr lang="en-GB" noProof="0" smtClean="0"/>
-              <a:t>10/05/2018</a:t>
+              <a:t>17/05/2018</a:t>
             </a:fld>
             <a:endParaRPr lang="en-GB" noProof="0" dirty="0"/>
           </a:p>
@@ -24348,7 +24364,7 @@
           <a:p>
             <a:fld id="{E73952FF-E64B-48DD-9F9C-F10B6AF0DC6B}" type="datetime1">
               <a:rPr lang="en-GB" noProof="0" smtClean="0"/>
-              <a:t>10/05/2018</a:t>
+              <a:t>17/05/2018</a:t>
             </a:fld>
             <a:endParaRPr lang="en-GB" noProof="0" dirty="0"/>
           </a:p>
@@ -24578,7 +24594,7 @@
           <a:p>
             <a:fld id="{8B8C7DFB-2BA0-471A-86CA-13419CBBDF7C}" type="datetime1">
               <a:rPr lang="en-GB" noProof="0" smtClean="0"/>
-              <a:t>10/05/2018</a:t>
+              <a:t>17/05/2018</a:t>
             </a:fld>
             <a:endParaRPr lang="en-GB" noProof="0" dirty="0"/>
           </a:p>
@@ -27448,6 +27464,202 @@
 </p:sld>
 </file>
 
+<file path=ppt/slides/slide10.xml><?xml version="1.0" encoding="utf-8"?>
+<p:sld xmlns:a="http://schemas.openxmlformats.org/drawingml/2006/main" xmlns:r="http://schemas.openxmlformats.org/officeDocument/2006/relationships" xmlns:p="http://schemas.openxmlformats.org/presentationml/2006/main">
+  <p:cSld>
+    <p:spTree>
+      <p:nvGrpSpPr>
+        <p:cNvPr id="1" name=""/>
+        <p:cNvGrpSpPr/>
+        <p:nvPr/>
+      </p:nvGrpSpPr>
+      <p:grpSpPr>
+        <a:xfrm>
+          <a:off x="0" y="0"/>
+          <a:ext cx="0" cy="0"/>
+          <a:chOff x="0" y="0"/>
+          <a:chExt cx="0" cy="0"/>
+        </a:xfrm>
+      </p:grpSpPr>
+      <p:sp>
+        <p:nvSpPr>
+          <p:cNvPr id="2" name="Title 1">
+            <a:extLst>
+              <a:ext uri="{FF2B5EF4-FFF2-40B4-BE49-F238E27FC236}">
+                <a16:creationId xmlns:a16="http://schemas.microsoft.com/office/drawing/2014/main" id="{DB11445E-C6BB-468B-93DE-D747117A81C3}"/>
+              </a:ext>
+            </a:extLst>
+          </p:cNvPr>
+          <p:cNvSpPr>
+            <a:spLocks noGrp="1"/>
+          </p:cNvSpPr>
+          <p:nvPr>
+            <p:ph type="title"/>
+          </p:nvPr>
+        </p:nvSpPr>
+        <p:spPr/>
+        <p:txBody>
+          <a:bodyPr/>
+          <a:lstStyle/>
+          <a:p>
+            <a:r>
+              <a:rPr lang="fi-FI" dirty="0" err="1"/>
+              <a:t>Get</a:t>
+            </a:r>
+            <a:r>
+              <a:rPr lang="fi-FI" dirty="0"/>
+              <a:t> into </a:t>
+            </a:r>
+            <a:r>
+              <a:rPr lang="fi-FI" dirty="0" err="1"/>
+              <a:t>deep</a:t>
+            </a:r>
+            <a:r>
+              <a:rPr lang="fi-FI" dirty="0"/>
+              <a:t> </a:t>
+            </a:r>
+            <a:r>
+              <a:rPr lang="fi-FI" dirty="0" err="1"/>
+              <a:t>learning</a:t>
+            </a:r>
+            <a:endParaRPr lang="fi-FI" dirty="0"/>
+          </a:p>
+        </p:txBody>
+      </p:sp>
+      <p:sp>
+        <p:nvSpPr>
+          <p:cNvPr id="3" name="Content Placeholder 2">
+            <a:extLst>
+              <a:ext uri="{FF2B5EF4-FFF2-40B4-BE49-F238E27FC236}">
+                <a16:creationId xmlns:a16="http://schemas.microsoft.com/office/drawing/2014/main" id="{4892FFF7-CB1F-43B8-8247-647DFA59064D}"/>
+              </a:ext>
+            </a:extLst>
+          </p:cNvPr>
+          <p:cNvSpPr>
+            <a:spLocks noGrp="1"/>
+          </p:cNvSpPr>
+          <p:nvPr>
+            <p:ph idx="1"/>
+          </p:nvPr>
+        </p:nvSpPr>
+        <p:spPr/>
+        <p:txBody>
+          <a:bodyPr/>
+          <a:lstStyle/>
+          <a:p>
+            <a:r>
+              <a:rPr lang="fi-FI" dirty="0">
+                <a:hlinkClick r:id="rId2"/>
+              </a:rPr>
+              <a:t>https://github.com/antsim/sausage-ai</a:t>
+            </a:r>
+            <a:endParaRPr lang="fi-FI" dirty="0"/>
+          </a:p>
+          <a:p>
+            <a:pPr lvl="1"/>
+            <a:r>
+              <a:rPr lang="fi-FI" dirty="0" err="1"/>
+              <a:t>Contains</a:t>
+            </a:r>
+            <a:r>
+              <a:rPr lang="fi-FI" dirty="0"/>
+              <a:t> </a:t>
+            </a:r>
+            <a:r>
+              <a:rPr lang="fi-FI" dirty="0" err="1"/>
+              <a:t>pre-trained</a:t>
+            </a:r>
+            <a:r>
+              <a:rPr lang="fi-FI" dirty="0"/>
+              <a:t> </a:t>
+            </a:r>
+            <a:r>
+              <a:rPr lang="fi-FI" dirty="0" err="1"/>
+              <a:t>models</a:t>
+            </a:r>
+            <a:r>
+              <a:rPr lang="fi-FI" dirty="0"/>
+              <a:t> (.h5)</a:t>
+            </a:r>
+          </a:p>
+          <a:p>
+            <a:pPr lvl="1"/>
+            <a:r>
+              <a:rPr lang="fi-FI" dirty="0" err="1"/>
+              <a:t>Contains</a:t>
+            </a:r>
+            <a:r>
+              <a:rPr lang="fi-FI" dirty="0"/>
+              <a:t> </a:t>
+            </a:r>
+            <a:r>
+              <a:rPr lang="fi-FI" dirty="0" err="1"/>
+              <a:t>training</a:t>
+            </a:r>
+            <a:r>
+              <a:rPr lang="fi-FI" dirty="0"/>
+              <a:t> data </a:t>
+            </a:r>
+            <a:r>
+              <a:rPr lang="fi-FI" dirty="0" err="1"/>
+              <a:t>files</a:t>
+            </a:r>
+            <a:endParaRPr lang="fi-FI" dirty="0"/>
+          </a:p>
+          <a:p>
+            <a:endParaRPr lang="fi-FI" dirty="0"/>
+          </a:p>
+          <a:p>
+            <a:r>
+              <a:rPr lang="fi-FI" dirty="0" err="1"/>
+              <a:t>Need</a:t>
+            </a:r>
+            <a:r>
+              <a:rPr lang="fi-FI" dirty="0"/>
+              <a:t> help?</a:t>
+            </a:r>
+          </a:p>
+          <a:p>
+            <a:pPr lvl="1"/>
+            <a:r>
+              <a:rPr lang="fi-FI" dirty="0">
+                <a:hlinkClick r:id="rId3"/>
+              </a:rPr>
+              <a:t>antti@anttisimonen.me</a:t>
+            </a:r>
+            <a:endParaRPr lang="fi-FI" dirty="0"/>
+          </a:p>
+          <a:p>
+            <a:pPr lvl="1"/>
+            <a:endParaRPr lang="fi-FI" dirty="0"/>
+          </a:p>
+        </p:txBody>
+      </p:sp>
+    </p:spTree>
+    <p:extLst>
+      <p:ext uri="{BB962C8B-B14F-4D97-AF65-F5344CB8AC3E}">
+        <p14:creationId xmlns:p14="http://schemas.microsoft.com/office/powerpoint/2010/main" val="2484113695"/>
+      </p:ext>
+    </p:extLst>
+  </p:cSld>
+  <p:clrMapOvr>
+    <a:masterClrMapping/>
+  </p:clrMapOvr>
+  <mc:AlternateContent xmlns:mc="http://schemas.openxmlformats.org/markup-compatibility/2006" xmlns:p14="http://schemas.microsoft.com/office/powerpoint/2010/main">
+    <mc:Choice Requires="p14">
+      <p:transition p14:dur="250">
+        <p:fade/>
+      </p:transition>
+    </mc:Choice>
+    <mc:Fallback xmlns="">
+      <p:transition>
+        <p:fade/>
+      </p:transition>
+    </mc:Fallback>
+  </mc:AlternateContent>
+</p:sld>
+</file>
+
 <file path=ppt/slides/slide2.xml><?xml version="1.0" encoding="utf-8"?>
 <p:sld xmlns:a="http://schemas.openxmlformats.org/drawingml/2006/main" xmlns:r="http://schemas.openxmlformats.org/officeDocument/2006/relationships" xmlns:p="http://schemas.openxmlformats.org/presentationml/2006/main">
   <p:cSld>
@@ -27950,7 +28162,7 @@
             <a:pPr lvl="1"/>
             <a:r>
               <a:rPr lang="en-US" dirty="0"/>
-              <a:t>Recurrent layer: Long Short-Term Memory layer (</a:t>
+              <a:t>Recurrent layer: Long Short-Term Memory (LSTM) layer (</a:t>
             </a:r>
             <a:r>
               <a:rPr lang="en-US" dirty="0" err="1"/>
@@ -28095,6 +28307,1309 @@
     <p:extLst>
       <p:ext uri="{BB962C8B-B14F-4D97-AF65-F5344CB8AC3E}">
         <p14:creationId xmlns:p14="http://schemas.microsoft.com/office/powerpoint/2010/main" val="3155341108"/>
+      </p:ext>
+    </p:extLst>
+  </p:cSld>
+  <p:clrMapOvr>
+    <a:masterClrMapping/>
+  </p:clrMapOvr>
+  <mc:AlternateContent xmlns:mc="http://schemas.openxmlformats.org/markup-compatibility/2006" xmlns:p14="http://schemas.microsoft.com/office/powerpoint/2010/main">
+    <mc:Choice Requires="p14">
+      <p:transition p14:dur="250">
+        <p:fade/>
+      </p:transition>
+    </mc:Choice>
+    <mc:Fallback xmlns="">
+      <p:transition>
+        <p:fade/>
+      </p:transition>
+    </mc:Fallback>
+  </mc:AlternateContent>
+</p:sld>
+</file>
+
+<file path=ppt/slides/slide5.xml><?xml version="1.0" encoding="utf-8"?>
+<p:sld xmlns:a="http://schemas.openxmlformats.org/drawingml/2006/main" xmlns:r="http://schemas.openxmlformats.org/officeDocument/2006/relationships" xmlns:p="http://schemas.openxmlformats.org/presentationml/2006/main">
+  <p:cSld>
+    <p:spTree>
+      <p:nvGrpSpPr>
+        <p:cNvPr id="1" name=""/>
+        <p:cNvGrpSpPr/>
+        <p:nvPr/>
+      </p:nvGrpSpPr>
+      <p:grpSpPr>
+        <a:xfrm>
+          <a:off x="0" y="0"/>
+          <a:ext cx="0" cy="0"/>
+          <a:chOff x="0" y="0"/>
+          <a:chExt cx="0" cy="0"/>
+        </a:xfrm>
+      </p:grpSpPr>
+      <p:sp>
+        <p:nvSpPr>
+          <p:cNvPr id="2" name="Title 1">
+            <a:extLst>
+              <a:ext uri="{FF2B5EF4-FFF2-40B4-BE49-F238E27FC236}">
+                <a16:creationId xmlns:a16="http://schemas.microsoft.com/office/drawing/2014/main" id="{B43071DD-834C-42D7-98E0-0388E5948BDC}"/>
+              </a:ext>
+            </a:extLst>
+          </p:cNvPr>
+          <p:cNvSpPr>
+            <a:spLocks noGrp="1"/>
+          </p:cNvSpPr>
+          <p:nvPr>
+            <p:ph type="title"/>
+          </p:nvPr>
+        </p:nvSpPr>
+        <p:spPr/>
+        <p:txBody>
+          <a:bodyPr/>
+          <a:lstStyle/>
+          <a:p>
+            <a:r>
+              <a:rPr lang="fi-FI" dirty="0"/>
+              <a:t>Training is </a:t>
+            </a:r>
+            <a:r>
+              <a:rPr lang="fi-FI" dirty="0" err="1"/>
+              <a:t>slow</a:t>
+            </a:r>
+            <a:endParaRPr lang="fi-FI" dirty="0"/>
+          </a:p>
+        </p:txBody>
+      </p:sp>
+      <p:sp>
+        <p:nvSpPr>
+          <p:cNvPr id="3" name="Content Placeholder 2">
+            <a:extLst>
+              <a:ext uri="{FF2B5EF4-FFF2-40B4-BE49-F238E27FC236}">
+                <a16:creationId xmlns:a16="http://schemas.microsoft.com/office/drawing/2014/main" id="{5E22B451-DD0D-4866-A07A-3CE9A57C62FC}"/>
+              </a:ext>
+            </a:extLst>
+          </p:cNvPr>
+          <p:cNvSpPr>
+            <a:spLocks noGrp="1"/>
+          </p:cNvSpPr>
+          <p:nvPr>
+            <p:ph idx="1"/>
+          </p:nvPr>
+        </p:nvSpPr>
+        <p:spPr/>
+        <p:txBody>
+          <a:bodyPr>
+            <a:normAutofit lnSpcReduction="10000"/>
+          </a:bodyPr>
+          <a:lstStyle/>
+          <a:p>
+            <a:r>
+              <a:rPr lang="fi-FI" dirty="0" err="1"/>
+              <a:t>The</a:t>
+            </a:r>
+            <a:r>
+              <a:rPr lang="fi-FI" dirty="0"/>
+              <a:t> </a:t>
+            </a:r>
+            <a:r>
+              <a:rPr lang="fi-FI" dirty="0" err="1"/>
+              <a:t>more</a:t>
+            </a:r>
+            <a:r>
+              <a:rPr lang="fi-FI" dirty="0"/>
+              <a:t> </a:t>
+            </a:r>
+            <a:r>
+              <a:rPr lang="fi-FI" dirty="0" err="1"/>
+              <a:t>you</a:t>
+            </a:r>
+            <a:r>
+              <a:rPr lang="fi-FI" dirty="0"/>
+              <a:t> </a:t>
+            </a:r>
+            <a:r>
+              <a:rPr lang="fi-FI" dirty="0" err="1"/>
+              <a:t>have</a:t>
+            </a:r>
+            <a:r>
+              <a:rPr lang="fi-FI" dirty="0"/>
+              <a:t> </a:t>
+            </a:r>
+            <a:r>
+              <a:rPr lang="fi-FI" dirty="0" err="1"/>
+              <a:t>training</a:t>
+            </a:r>
+            <a:r>
+              <a:rPr lang="fi-FI" dirty="0"/>
+              <a:t> data, </a:t>
+            </a:r>
+            <a:r>
+              <a:rPr lang="fi-FI" dirty="0" err="1"/>
+              <a:t>the</a:t>
+            </a:r>
+            <a:r>
+              <a:rPr lang="fi-FI" dirty="0"/>
+              <a:t> </a:t>
+            </a:r>
+            <a:r>
+              <a:rPr lang="fi-FI" dirty="0" err="1"/>
+              <a:t>slower</a:t>
+            </a:r>
+            <a:r>
+              <a:rPr lang="fi-FI" dirty="0"/>
+              <a:t> it is to </a:t>
+            </a:r>
+            <a:r>
+              <a:rPr lang="fi-FI" dirty="0" err="1"/>
+              <a:t>train</a:t>
+            </a:r>
+            <a:r>
+              <a:rPr lang="fi-FI" dirty="0"/>
+              <a:t> </a:t>
+            </a:r>
+            <a:r>
+              <a:rPr lang="fi-FI" dirty="0" err="1"/>
+              <a:t>the</a:t>
+            </a:r>
+            <a:r>
+              <a:rPr lang="fi-FI" dirty="0"/>
+              <a:t> </a:t>
+            </a:r>
+            <a:r>
+              <a:rPr lang="fi-FI" dirty="0" err="1"/>
+              <a:t>model</a:t>
+            </a:r>
+            <a:endParaRPr lang="fi-FI" dirty="0"/>
+          </a:p>
+          <a:p>
+            <a:r>
+              <a:rPr lang="fi-FI" dirty="0" err="1"/>
+              <a:t>Trained</a:t>
+            </a:r>
+            <a:r>
+              <a:rPr lang="fi-FI" dirty="0"/>
+              <a:t> </a:t>
+            </a:r>
+            <a:r>
+              <a:rPr lang="fi-FI" dirty="0" err="1"/>
+              <a:t>with</a:t>
+            </a:r>
+            <a:r>
+              <a:rPr lang="fi-FI" dirty="0"/>
+              <a:t> </a:t>
+            </a:r>
+            <a:r>
+              <a:rPr lang="fi-FI" dirty="0" err="1"/>
+              <a:t>two</a:t>
+            </a:r>
+            <a:r>
+              <a:rPr lang="fi-FI" dirty="0"/>
+              <a:t> data set, </a:t>
+            </a:r>
+            <a:r>
+              <a:rPr lang="fi-FI" dirty="0" err="1"/>
+              <a:t>lyrics</a:t>
+            </a:r>
+            <a:r>
+              <a:rPr lang="fi-FI" dirty="0"/>
+              <a:t> </a:t>
+            </a:r>
+            <a:r>
+              <a:rPr lang="fi-FI" dirty="0" err="1"/>
+              <a:t>from</a:t>
+            </a:r>
+            <a:r>
+              <a:rPr lang="fi-FI" dirty="0"/>
+              <a:t> </a:t>
+            </a:r>
+            <a:r>
+              <a:rPr lang="fi-FI" dirty="0" err="1"/>
+              <a:t>Cannibal</a:t>
+            </a:r>
+            <a:r>
+              <a:rPr lang="fi-FI" dirty="0"/>
+              <a:t> </a:t>
+            </a:r>
+            <a:r>
+              <a:rPr lang="fi-FI" dirty="0" err="1"/>
+              <a:t>Corpse</a:t>
+            </a:r>
+            <a:r>
+              <a:rPr lang="fi-FI" dirty="0"/>
+              <a:t> and Yö</a:t>
+            </a:r>
+          </a:p>
+          <a:p>
+            <a:r>
+              <a:rPr lang="fi-FI" dirty="0" err="1"/>
+              <a:t>With</a:t>
+            </a:r>
+            <a:r>
+              <a:rPr lang="fi-FI" dirty="0"/>
+              <a:t> </a:t>
+            </a:r>
+            <a:r>
+              <a:rPr lang="fi-FI" dirty="0" err="1"/>
+              <a:t>Cannibal</a:t>
+            </a:r>
+            <a:r>
+              <a:rPr lang="fi-FI" dirty="0"/>
+              <a:t> </a:t>
+            </a:r>
+            <a:r>
+              <a:rPr lang="fi-FI" dirty="0" err="1"/>
+              <a:t>Corpse</a:t>
+            </a:r>
+            <a:r>
+              <a:rPr lang="fi-FI" dirty="0"/>
+              <a:t> –data (204 152 </a:t>
+            </a:r>
+            <a:r>
+              <a:rPr lang="fi-FI" dirty="0" err="1"/>
+              <a:t>characters</a:t>
+            </a:r>
+            <a:r>
+              <a:rPr lang="fi-FI" dirty="0"/>
+              <a:t>)</a:t>
+            </a:r>
+          </a:p>
+          <a:p>
+            <a:pPr lvl="1"/>
+            <a:r>
+              <a:rPr lang="fi-FI" dirty="0"/>
+              <a:t>1 </a:t>
+            </a:r>
+            <a:r>
+              <a:rPr lang="fi-FI" dirty="0" err="1"/>
+              <a:t>epoch</a:t>
+            </a:r>
+            <a:r>
+              <a:rPr lang="fi-FI" dirty="0"/>
+              <a:t> = ~10min</a:t>
+            </a:r>
+          </a:p>
+          <a:p>
+            <a:pPr lvl="1"/>
+            <a:r>
+              <a:rPr lang="fi-FI" dirty="0" err="1"/>
+              <a:t>Epoch</a:t>
+            </a:r>
+            <a:r>
+              <a:rPr lang="fi-FI" dirty="0"/>
+              <a:t> = </a:t>
+            </a:r>
+            <a:r>
+              <a:rPr lang="fi-FI" dirty="0" err="1"/>
+              <a:t>one</a:t>
+            </a:r>
+            <a:r>
+              <a:rPr lang="fi-FI" dirty="0"/>
+              <a:t> </a:t>
+            </a:r>
+            <a:r>
+              <a:rPr lang="fi-FI" dirty="0" err="1"/>
+              <a:t>pass</a:t>
+            </a:r>
+            <a:r>
+              <a:rPr lang="fi-FI" dirty="0"/>
+              <a:t> of </a:t>
+            </a:r>
+            <a:r>
+              <a:rPr lang="fi-FI" dirty="0" err="1"/>
+              <a:t>the</a:t>
+            </a:r>
+            <a:r>
+              <a:rPr lang="fi-FI" dirty="0"/>
+              <a:t> </a:t>
+            </a:r>
+            <a:r>
+              <a:rPr lang="fi-FI" dirty="0" err="1"/>
+              <a:t>full</a:t>
+            </a:r>
+            <a:r>
+              <a:rPr lang="fi-FI" dirty="0"/>
+              <a:t> </a:t>
+            </a:r>
+            <a:r>
+              <a:rPr lang="fi-FI" dirty="0" err="1"/>
+              <a:t>training</a:t>
+            </a:r>
+            <a:r>
+              <a:rPr lang="fi-FI" dirty="0"/>
+              <a:t> data (</a:t>
+            </a:r>
+            <a:r>
+              <a:rPr lang="fi-FI" dirty="0" err="1"/>
+              <a:t>contains</a:t>
+            </a:r>
+            <a:r>
+              <a:rPr lang="fi-FI" dirty="0"/>
+              <a:t> </a:t>
+            </a:r>
+            <a:r>
+              <a:rPr lang="fi-FI" dirty="0" err="1"/>
+              <a:t>multiple</a:t>
+            </a:r>
+            <a:r>
+              <a:rPr lang="fi-FI" dirty="0"/>
+              <a:t> </a:t>
+            </a:r>
+            <a:r>
+              <a:rPr lang="fi-FI" dirty="0" err="1"/>
+              <a:t>iterations</a:t>
+            </a:r>
+            <a:r>
+              <a:rPr lang="fi-FI" dirty="0"/>
+              <a:t>)</a:t>
+            </a:r>
+          </a:p>
+          <a:p>
+            <a:r>
+              <a:rPr lang="fi-FI" dirty="0" err="1"/>
+              <a:t>With</a:t>
+            </a:r>
+            <a:r>
+              <a:rPr lang="fi-FI" dirty="0"/>
+              <a:t> Yö –data (21 278 </a:t>
+            </a:r>
+            <a:r>
+              <a:rPr lang="fi-FI" dirty="0" err="1"/>
+              <a:t>characters</a:t>
+            </a:r>
+            <a:r>
+              <a:rPr lang="fi-FI" dirty="0"/>
+              <a:t>)</a:t>
+            </a:r>
+          </a:p>
+          <a:p>
+            <a:pPr lvl="1"/>
+            <a:r>
+              <a:rPr lang="fi-FI" dirty="0"/>
+              <a:t>1 </a:t>
+            </a:r>
+            <a:r>
+              <a:rPr lang="fi-FI" dirty="0" err="1"/>
+              <a:t>epoch</a:t>
+            </a:r>
+            <a:r>
+              <a:rPr lang="fi-FI" dirty="0"/>
+              <a:t> = ~1min</a:t>
+            </a:r>
+          </a:p>
+          <a:p>
+            <a:pPr lvl="1"/>
+            <a:endParaRPr lang="fi-FI" dirty="0"/>
+          </a:p>
+          <a:p>
+            <a:r>
+              <a:rPr lang="fi-FI" dirty="0"/>
+              <a:t>Make sure </a:t>
+            </a:r>
+            <a:r>
+              <a:rPr lang="fi-FI" dirty="0" err="1"/>
+              <a:t>your</a:t>
+            </a:r>
+            <a:r>
+              <a:rPr lang="fi-FI" dirty="0"/>
+              <a:t> </a:t>
+            </a:r>
+            <a:r>
+              <a:rPr lang="fi-FI" dirty="0" err="1"/>
+              <a:t>tensorflow</a:t>
+            </a:r>
+            <a:r>
+              <a:rPr lang="fi-FI" dirty="0"/>
+              <a:t> is </a:t>
+            </a:r>
+            <a:r>
+              <a:rPr lang="fi-FI" dirty="0" err="1"/>
+              <a:t>built</a:t>
+            </a:r>
+            <a:r>
+              <a:rPr lang="fi-FI" dirty="0"/>
+              <a:t> </a:t>
+            </a:r>
+            <a:r>
+              <a:rPr lang="fi-FI" dirty="0" err="1"/>
+              <a:t>supporting</a:t>
+            </a:r>
+            <a:r>
+              <a:rPr lang="fi-FI" dirty="0"/>
+              <a:t> </a:t>
+            </a:r>
+            <a:r>
+              <a:rPr lang="fi-FI" dirty="0" err="1"/>
+              <a:t>all</a:t>
+            </a:r>
+            <a:r>
+              <a:rPr lang="fi-FI" dirty="0"/>
+              <a:t> </a:t>
+            </a:r>
+            <a:r>
+              <a:rPr lang="fi-FI" dirty="0" err="1"/>
+              <a:t>available</a:t>
+            </a:r>
+            <a:r>
+              <a:rPr lang="fi-FI" dirty="0"/>
+              <a:t> CPU </a:t>
+            </a:r>
+            <a:r>
+              <a:rPr lang="fi-FI" dirty="0" err="1"/>
+              <a:t>instructions</a:t>
+            </a:r>
+            <a:r>
+              <a:rPr lang="fi-FI" dirty="0"/>
+              <a:t> OR </a:t>
+            </a:r>
+            <a:r>
+              <a:rPr lang="fi-FI" dirty="0" err="1"/>
+              <a:t>use</a:t>
+            </a:r>
+            <a:r>
+              <a:rPr lang="fi-FI" dirty="0"/>
+              <a:t> </a:t>
+            </a:r>
+            <a:r>
+              <a:rPr lang="fi-FI" dirty="0" err="1"/>
+              <a:t>tensorflow</a:t>
+            </a:r>
+            <a:r>
+              <a:rPr lang="fi-FI" dirty="0"/>
+              <a:t> GPU. </a:t>
+            </a:r>
+            <a:r>
+              <a:rPr lang="fi-FI" dirty="0" err="1"/>
+              <a:t>Makes</a:t>
+            </a:r>
+            <a:r>
+              <a:rPr lang="fi-FI" dirty="0"/>
+              <a:t> a </a:t>
+            </a:r>
+            <a:r>
+              <a:rPr lang="fi-FI" dirty="0" err="1"/>
+              <a:t>big</a:t>
+            </a:r>
+            <a:r>
+              <a:rPr lang="fi-FI" dirty="0"/>
+              <a:t> </a:t>
+            </a:r>
+            <a:r>
+              <a:rPr lang="fi-FI" dirty="0" err="1"/>
+              <a:t>difference</a:t>
+            </a:r>
+            <a:r>
+              <a:rPr lang="fi-FI" dirty="0"/>
+              <a:t>!</a:t>
+            </a:r>
+          </a:p>
+        </p:txBody>
+      </p:sp>
+    </p:spTree>
+    <p:extLst>
+      <p:ext uri="{BB962C8B-B14F-4D97-AF65-F5344CB8AC3E}">
+        <p14:creationId xmlns:p14="http://schemas.microsoft.com/office/powerpoint/2010/main" val="2944554341"/>
+      </p:ext>
+    </p:extLst>
+  </p:cSld>
+  <p:clrMapOvr>
+    <a:masterClrMapping/>
+  </p:clrMapOvr>
+  <mc:AlternateContent xmlns:mc="http://schemas.openxmlformats.org/markup-compatibility/2006" xmlns:p14="http://schemas.microsoft.com/office/powerpoint/2010/main">
+    <mc:Choice Requires="p14">
+      <p:transition p14:dur="250">
+        <p:fade/>
+      </p:transition>
+    </mc:Choice>
+    <mc:Fallback xmlns="">
+      <p:transition>
+        <p:fade/>
+      </p:transition>
+    </mc:Fallback>
+  </mc:AlternateContent>
+</p:sld>
+</file>
+
+<file path=ppt/slides/slide6.xml><?xml version="1.0" encoding="utf-8"?>
+<p:sld xmlns:a="http://schemas.openxmlformats.org/drawingml/2006/main" xmlns:r="http://schemas.openxmlformats.org/officeDocument/2006/relationships" xmlns:p="http://schemas.openxmlformats.org/presentationml/2006/main">
+  <p:cSld>
+    <p:spTree>
+      <p:nvGrpSpPr>
+        <p:cNvPr id="1" name=""/>
+        <p:cNvGrpSpPr/>
+        <p:nvPr/>
+      </p:nvGrpSpPr>
+      <p:grpSpPr>
+        <a:xfrm>
+          <a:off x="0" y="0"/>
+          <a:ext cx="0" cy="0"/>
+          <a:chOff x="0" y="0"/>
+          <a:chExt cx="0" cy="0"/>
+        </a:xfrm>
+      </p:grpSpPr>
+      <p:sp>
+        <p:nvSpPr>
+          <p:cNvPr id="2" name="Title 1">
+            <a:extLst>
+              <a:ext uri="{FF2B5EF4-FFF2-40B4-BE49-F238E27FC236}">
+                <a16:creationId xmlns:a16="http://schemas.microsoft.com/office/drawing/2014/main" id="{88F90E8A-AE14-4771-BED0-5D6564ECA702}"/>
+              </a:ext>
+            </a:extLst>
+          </p:cNvPr>
+          <p:cNvSpPr>
+            <a:spLocks noGrp="1"/>
+          </p:cNvSpPr>
+          <p:nvPr>
+            <p:ph type="title"/>
+          </p:nvPr>
+        </p:nvSpPr>
+        <p:spPr/>
+        <p:txBody>
+          <a:bodyPr/>
+          <a:lstStyle/>
+          <a:p>
+            <a:r>
+              <a:rPr lang="fi-FI" dirty="0" err="1"/>
+              <a:t>Running</a:t>
+            </a:r>
+            <a:r>
+              <a:rPr lang="fi-FI" dirty="0"/>
+              <a:t> </a:t>
+            </a:r>
+            <a:r>
+              <a:rPr lang="fi-FI" dirty="0" err="1"/>
+              <a:t>training</a:t>
+            </a:r>
+            <a:endParaRPr lang="fi-FI" dirty="0"/>
+          </a:p>
+        </p:txBody>
+      </p:sp>
+      <p:sp>
+        <p:nvSpPr>
+          <p:cNvPr id="3" name="Content Placeholder 2">
+            <a:extLst>
+              <a:ext uri="{FF2B5EF4-FFF2-40B4-BE49-F238E27FC236}">
+                <a16:creationId xmlns:a16="http://schemas.microsoft.com/office/drawing/2014/main" id="{F07F1F29-0C19-44C9-9D0B-62CDDF506609}"/>
+              </a:ext>
+            </a:extLst>
+          </p:cNvPr>
+          <p:cNvSpPr>
+            <a:spLocks noGrp="1"/>
+          </p:cNvSpPr>
+          <p:nvPr>
+            <p:ph idx="1"/>
+          </p:nvPr>
+        </p:nvSpPr>
+        <p:spPr/>
+        <p:txBody>
+          <a:bodyPr/>
+          <a:lstStyle/>
+          <a:p>
+            <a:r>
+              <a:rPr lang="fi-FI" dirty="0"/>
+              <a:t>Video</a:t>
+            </a:r>
+          </a:p>
+          <a:p>
+            <a:endParaRPr lang="fi-FI" dirty="0"/>
+          </a:p>
+        </p:txBody>
+      </p:sp>
+    </p:spTree>
+    <p:extLst>
+      <p:ext uri="{BB962C8B-B14F-4D97-AF65-F5344CB8AC3E}">
+        <p14:creationId xmlns:p14="http://schemas.microsoft.com/office/powerpoint/2010/main" val="405879653"/>
+      </p:ext>
+    </p:extLst>
+  </p:cSld>
+  <p:clrMapOvr>
+    <a:masterClrMapping/>
+  </p:clrMapOvr>
+  <mc:AlternateContent xmlns:mc="http://schemas.openxmlformats.org/markup-compatibility/2006" xmlns:p14="http://schemas.microsoft.com/office/powerpoint/2010/main">
+    <mc:Choice Requires="p14">
+      <p:transition p14:dur="250">
+        <p:fade/>
+      </p:transition>
+    </mc:Choice>
+    <mc:Fallback xmlns="">
+      <p:transition>
+        <p:fade/>
+      </p:transition>
+    </mc:Fallback>
+  </mc:AlternateContent>
+</p:sld>
+</file>
+
+<file path=ppt/slides/slide7.xml><?xml version="1.0" encoding="utf-8"?>
+<p:sld xmlns:a="http://schemas.openxmlformats.org/drawingml/2006/main" xmlns:r="http://schemas.openxmlformats.org/officeDocument/2006/relationships" xmlns:p="http://schemas.openxmlformats.org/presentationml/2006/main">
+  <p:cSld>
+    <p:spTree>
+      <p:nvGrpSpPr>
+        <p:cNvPr id="1" name=""/>
+        <p:cNvGrpSpPr/>
+        <p:nvPr/>
+      </p:nvGrpSpPr>
+      <p:grpSpPr>
+        <a:xfrm>
+          <a:off x="0" y="0"/>
+          <a:ext cx="0" cy="0"/>
+          <a:chOff x="0" y="0"/>
+          <a:chExt cx="0" cy="0"/>
+        </a:xfrm>
+      </p:grpSpPr>
+      <p:sp>
+        <p:nvSpPr>
+          <p:cNvPr id="2" name="Title 1">
+            <a:extLst>
+              <a:ext uri="{FF2B5EF4-FFF2-40B4-BE49-F238E27FC236}">
+                <a16:creationId xmlns:a16="http://schemas.microsoft.com/office/drawing/2014/main" id="{0FBE7F45-D189-45D9-9892-1B6F2CDF522C}"/>
+              </a:ext>
+            </a:extLst>
+          </p:cNvPr>
+          <p:cNvSpPr>
+            <a:spLocks noGrp="1"/>
+          </p:cNvSpPr>
+          <p:nvPr>
+            <p:ph type="title"/>
+          </p:nvPr>
+        </p:nvSpPr>
+        <p:spPr/>
+        <p:txBody>
+          <a:bodyPr/>
+          <a:lstStyle/>
+          <a:p>
+            <a:r>
+              <a:rPr lang="fi-FI" dirty="0" err="1"/>
+              <a:t>Results</a:t>
+            </a:r>
+            <a:r>
+              <a:rPr lang="fi-FI" dirty="0"/>
+              <a:t> - Yö</a:t>
+            </a:r>
+          </a:p>
+        </p:txBody>
+      </p:sp>
+      <p:sp>
+        <p:nvSpPr>
+          <p:cNvPr id="3" name="Content Placeholder 2">
+            <a:extLst>
+              <a:ext uri="{FF2B5EF4-FFF2-40B4-BE49-F238E27FC236}">
+                <a16:creationId xmlns:a16="http://schemas.microsoft.com/office/drawing/2014/main" id="{C204E7C9-1BBC-43F6-B3D6-095F4F5D6E5E}"/>
+              </a:ext>
+            </a:extLst>
+          </p:cNvPr>
+          <p:cNvSpPr>
+            <a:spLocks noGrp="1"/>
+          </p:cNvSpPr>
+          <p:nvPr>
+            <p:ph idx="1"/>
+          </p:nvPr>
+        </p:nvSpPr>
+        <p:spPr/>
+        <p:txBody>
+          <a:bodyPr>
+            <a:normAutofit lnSpcReduction="10000"/>
+          </a:bodyPr>
+          <a:lstStyle/>
+          <a:p>
+            <a:r>
+              <a:rPr lang="fi-FI" dirty="0" err="1"/>
+              <a:t>Very</a:t>
+            </a:r>
+            <a:r>
+              <a:rPr lang="fi-FI" dirty="0"/>
+              <a:t> </a:t>
+            </a:r>
+            <a:r>
+              <a:rPr lang="fi-FI" dirty="0" err="1"/>
+              <a:t>similar</a:t>
+            </a:r>
+            <a:r>
+              <a:rPr lang="fi-FI" dirty="0"/>
+              <a:t> </a:t>
+            </a:r>
+            <a:r>
+              <a:rPr lang="fi-FI" dirty="0" err="1"/>
+              <a:t>with</a:t>
+            </a:r>
+            <a:r>
+              <a:rPr lang="fi-FI" dirty="0"/>
+              <a:t> </a:t>
+            </a:r>
+            <a:r>
+              <a:rPr lang="fi-FI" dirty="0" err="1"/>
+              <a:t>original</a:t>
+            </a:r>
+            <a:r>
+              <a:rPr lang="fi-FI" dirty="0"/>
+              <a:t> data set (1.2 </a:t>
+            </a:r>
+            <a:r>
+              <a:rPr lang="fi-FI" dirty="0" err="1"/>
+              <a:t>diversity</a:t>
+            </a:r>
+            <a:r>
+              <a:rPr lang="fi-FI" dirty="0"/>
+              <a:t>)</a:t>
+            </a:r>
+          </a:p>
+          <a:p>
+            <a:r>
+              <a:rPr lang="fi-FI" dirty="0" err="1"/>
+              <a:t>Too</a:t>
+            </a:r>
+            <a:r>
+              <a:rPr lang="fi-FI" dirty="0"/>
+              <a:t> </a:t>
+            </a:r>
+            <a:r>
+              <a:rPr lang="fi-FI" dirty="0" err="1"/>
+              <a:t>small</a:t>
+            </a:r>
+            <a:r>
+              <a:rPr lang="fi-FI" dirty="0"/>
+              <a:t> </a:t>
+            </a:r>
+            <a:r>
+              <a:rPr lang="fi-FI" dirty="0" err="1"/>
+              <a:t>training</a:t>
+            </a:r>
+            <a:r>
+              <a:rPr lang="fi-FI" dirty="0"/>
+              <a:t> data set</a:t>
+            </a:r>
+          </a:p>
+          <a:p>
+            <a:pPr lvl="1"/>
+            <a:r>
+              <a:rPr lang="fi-FI" sz="1600" dirty="0">
+                <a:hlinkClick r:id="rId2"/>
+              </a:rPr>
+              <a:t>https://machinelearningmastery.com/much-training-data-required-machine-learning/</a:t>
+            </a:r>
+            <a:endParaRPr lang="fi-FI" sz="1600" dirty="0"/>
+          </a:p>
+          <a:p>
+            <a:pPr lvl="1"/>
+            <a:endParaRPr lang="fi-FI" sz="1600" dirty="0"/>
+          </a:p>
+          <a:p>
+            <a:r>
+              <a:rPr lang="fi-FI" dirty="0">
+                <a:hlinkClick r:id="rId3"/>
+              </a:rPr>
+              <a:t>https://en.wikipedia.org/wiki/Overfitting</a:t>
+            </a:r>
+            <a:endParaRPr lang="fi-FI" dirty="0"/>
+          </a:p>
+          <a:p>
+            <a:pPr lvl="1"/>
+            <a:r>
+              <a:rPr lang="en-US" sz="1700" dirty="0"/>
+              <a:t>As an extreme example, if the number of parameters is the same as or greater than the number of observations, then a model can perfectly predict the training data simply by memorizing the data in its entirety. Such a model, though, will typically fail severely when making predictions.</a:t>
+            </a:r>
+            <a:endParaRPr lang="fi-FI" sz="1700" dirty="0"/>
+          </a:p>
+          <a:p>
+            <a:endParaRPr lang="fi-FI" dirty="0"/>
+          </a:p>
+          <a:p>
+            <a:pPr marL="0" indent="0" algn="ctr">
+              <a:buNone/>
+            </a:pPr>
+            <a:r>
+              <a:rPr lang="fi-FI" dirty="0"/>
+              <a:t>”</a:t>
+            </a:r>
+            <a:r>
+              <a:rPr lang="fi-FI" b="0" i="1" dirty="0" err="1"/>
+              <a:t>miks</a:t>
+            </a:r>
+            <a:r>
+              <a:rPr lang="fi-FI" b="0" i="1" dirty="0"/>
+              <a:t> kertaa tahdon ja kellot soittaa saa mitä </a:t>
+            </a:r>
+            <a:r>
+              <a:rPr lang="fi-FI" b="0" i="1" dirty="0" err="1"/>
+              <a:t>mä</a:t>
+            </a:r>
+            <a:r>
+              <a:rPr lang="fi-FI" b="0" i="1" dirty="0"/>
+              <a:t> halusin ei lastaa tahdo koskaan pois</a:t>
+            </a:r>
+            <a:r>
+              <a:rPr lang="fi-FI" dirty="0"/>
+              <a:t>”</a:t>
+            </a:r>
+          </a:p>
+          <a:p>
+            <a:pPr marL="0" indent="0">
+              <a:buNone/>
+            </a:pPr>
+            <a:endParaRPr lang="fi-FI" dirty="0"/>
+          </a:p>
+        </p:txBody>
+      </p:sp>
+    </p:spTree>
+    <p:extLst>
+      <p:ext uri="{BB962C8B-B14F-4D97-AF65-F5344CB8AC3E}">
+        <p14:creationId xmlns:p14="http://schemas.microsoft.com/office/powerpoint/2010/main" val="317395089"/>
+      </p:ext>
+    </p:extLst>
+  </p:cSld>
+  <p:clrMapOvr>
+    <a:masterClrMapping/>
+  </p:clrMapOvr>
+  <mc:AlternateContent xmlns:mc="http://schemas.openxmlformats.org/markup-compatibility/2006" xmlns:p14="http://schemas.microsoft.com/office/powerpoint/2010/main">
+    <mc:Choice Requires="p14">
+      <p:transition p14:dur="250">
+        <p:fade/>
+      </p:transition>
+    </mc:Choice>
+    <mc:Fallback xmlns="">
+      <p:transition>
+        <p:fade/>
+      </p:transition>
+    </mc:Fallback>
+  </mc:AlternateContent>
+</p:sld>
+</file>
+
+<file path=ppt/slides/slide8.xml><?xml version="1.0" encoding="utf-8"?>
+<p:sld xmlns:a="http://schemas.openxmlformats.org/drawingml/2006/main" xmlns:r="http://schemas.openxmlformats.org/officeDocument/2006/relationships" xmlns:p="http://schemas.openxmlformats.org/presentationml/2006/main">
+  <p:cSld>
+    <p:spTree>
+      <p:nvGrpSpPr>
+        <p:cNvPr id="1" name=""/>
+        <p:cNvGrpSpPr/>
+        <p:nvPr/>
+      </p:nvGrpSpPr>
+      <p:grpSpPr>
+        <a:xfrm>
+          <a:off x="0" y="0"/>
+          <a:ext cx="0" cy="0"/>
+          <a:chOff x="0" y="0"/>
+          <a:chExt cx="0" cy="0"/>
+        </a:xfrm>
+      </p:grpSpPr>
+      <p:sp>
+        <p:nvSpPr>
+          <p:cNvPr id="2" name="Title 1">
+            <a:extLst>
+              <a:ext uri="{FF2B5EF4-FFF2-40B4-BE49-F238E27FC236}">
+                <a16:creationId xmlns:a16="http://schemas.microsoft.com/office/drawing/2014/main" id="{692513D6-F06E-43DB-9F79-E34DD25751B4}"/>
+              </a:ext>
+            </a:extLst>
+          </p:cNvPr>
+          <p:cNvSpPr>
+            <a:spLocks noGrp="1"/>
+          </p:cNvSpPr>
+          <p:nvPr>
+            <p:ph type="title"/>
+          </p:nvPr>
+        </p:nvSpPr>
+        <p:spPr/>
+        <p:txBody>
+          <a:bodyPr/>
+          <a:lstStyle/>
+          <a:p>
+            <a:r>
+              <a:rPr lang="fi-FI" dirty="0" err="1"/>
+              <a:t>Results</a:t>
+            </a:r>
+            <a:r>
+              <a:rPr lang="fi-FI" dirty="0"/>
+              <a:t> – </a:t>
+            </a:r>
+            <a:r>
+              <a:rPr lang="fi-FI" dirty="0" err="1"/>
+              <a:t>Cannibal</a:t>
+            </a:r>
+            <a:r>
+              <a:rPr lang="fi-FI" dirty="0"/>
+              <a:t> </a:t>
+            </a:r>
+            <a:r>
+              <a:rPr lang="fi-FI" dirty="0" err="1"/>
+              <a:t>Corpse</a:t>
+            </a:r>
+            <a:endParaRPr lang="fi-FI" dirty="0"/>
+          </a:p>
+        </p:txBody>
+      </p:sp>
+      <p:sp>
+        <p:nvSpPr>
+          <p:cNvPr id="3" name="Content Placeholder 2">
+            <a:extLst>
+              <a:ext uri="{FF2B5EF4-FFF2-40B4-BE49-F238E27FC236}">
+                <a16:creationId xmlns:a16="http://schemas.microsoft.com/office/drawing/2014/main" id="{FBFB2BE2-6C87-42A3-ADE5-29AC151C8D7B}"/>
+              </a:ext>
+            </a:extLst>
+          </p:cNvPr>
+          <p:cNvSpPr>
+            <a:spLocks noGrp="1"/>
+          </p:cNvSpPr>
+          <p:nvPr>
+            <p:ph idx="1"/>
+          </p:nvPr>
+        </p:nvSpPr>
+        <p:spPr/>
+        <p:txBody>
+          <a:bodyPr/>
+          <a:lstStyle/>
+          <a:p>
+            <a:pPr marL="0" indent="0" algn="ctr">
+              <a:buNone/>
+            </a:pPr>
+            <a:endParaRPr lang="fi-FI" dirty="0"/>
+          </a:p>
+          <a:p>
+            <a:pPr marL="0" indent="0" algn="ctr">
+              <a:buNone/>
+            </a:pPr>
+            <a:r>
+              <a:rPr lang="fi-FI" dirty="0"/>
+              <a:t>”</a:t>
+            </a:r>
+            <a:r>
+              <a:rPr lang="en-US" b="0" i="1" dirty="0"/>
+              <a:t>I must kill their clear, I drink their skulls through with pain</a:t>
+            </a:r>
+            <a:r>
+              <a:rPr lang="en-US" dirty="0"/>
+              <a:t>”</a:t>
+            </a:r>
+          </a:p>
+          <a:p>
+            <a:pPr algn="ctr"/>
+            <a:endParaRPr lang="en-US" dirty="0"/>
+          </a:p>
+          <a:p>
+            <a:pPr marL="0" indent="0" algn="ctr">
+              <a:buNone/>
+            </a:pPr>
+            <a:r>
+              <a:rPr lang="fi-FI" dirty="0"/>
+              <a:t>”</a:t>
+            </a:r>
+            <a:r>
+              <a:rPr lang="en-US" b="0" i="1" dirty="0"/>
+              <a:t>for to kill child behind flood returning body</a:t>
+            </a:r>
+            <a:r>
+              <a:rPr lang="en-US" dirty="0"/>
+              <a:t>”</a:t>
+            </a:r>
+          </a:p>
+          <a:p>
+            <a:pPr algn="ctr"/>
+            <a:endParaRPr lang="en-US" dirty="0"/>
+          </a:p>
+          <a:p>
+            <a:pPr marL="0" indent="0" algn="ctr">
+              <a:buNone/>
+            </a:pPr>
+            <a:r>
+              <a:rPr lang="fi-FI" dirty="0"/>
+              <a:t>”</a:t>
+            </a:r>
+            <a:r>
+              <a:rPr lang="en-US" b="0" i="1" dirty="0"/>
+              <a:t>intense for your bodied wound has while I kill a violent from kind cut nothing for a way</a:t>
+            </a:r>
+            <a:r>
+              <a:rPr lang="en-US" dirty="0"/>
+              <a:t>”</a:t>
+            </a:r>
+            <a:endParaRPr lang="fi-FI" dirty="0"/>
+          </a:p>
+        </p:txBody>
+      </p:sp>
+    </p:spTree>
+    <p:extLst>
+      <p:ext uri="{BB962C8B-B14F-4D97-AF65-F5344CB8AC3E}">
+        <p14:creationId xmlns:p14="http://schemas.microsoft.com/office/powerpoint/2010/main" val="2722985016"/>
+      </p:ext>
+    </p:extLst>
+  </p:cSld>
+  <p:clrMapOvr>
+    <a:masterClrMapping/>
+  </p:clrMapOvr>
+  <mc:AlternateContent xmlns:mc="http://schemas.openxmlformats.org/markup-compatibility/2006" xmlns:p14="http://schemas.microsoft.com/office/powerpoint/2010/main">
+    <mc:Choice Requires="p14">
+      <p:transition p14:dur="250">
+        <p:fade/>
+      </p:transition>
+    </mc:Choice>
+    <mc:Fallback xmlns="">
+      <p:transition>
+        <p:fade/>
+      </p:transition>
+    </mc:Fallback>
+  </mc:AlternateContent>
+</p:sld>
+</file>
+
+<file path=ppt/slides/slide9.xml><?xml version="1.0" encoding="utf-8"?>
+<p:sld xmlns:a="http://schemas.openxmlformats.org/drawingml/2006/main" xmlns:r="http://schemas.openxmlformats.org/officeDocument/2006/relationships" xmlns:p="http://schemas.openxmlformats.org/presentationml/2006/main">
+  <p:cSld>
+    <p:spTree>
+      <p:nvGrpSpPr>
+        <p:cNvPr id="1" name=""/>
+        <p:cNvGrpSpPr/>
+        <p:nvPr/>
+      </p:nvGrpSpPr>
+      <p:grpSpPr>
+        <a:xfrm>
+          <a:off x="0" y="0"/>
+          <a:ext cx="0" cy="0"/>
+          <a:chOff x="0" y="0"/>
+          <a:chExt cx="0" cy="0"/>
+        </a:xfrm>
+      </p:grpSpPr>
+      <p:sp>
+        <p:nvSpPr>
+          <p:cNvPr id="2" name="Title 1">
+            <a:extLst>
+              <a:ext uri="{FF2B5EF4-FFF2-40B4-BE49-F238E27FC236}">
+                <a16:creationId xmlns:a16="http://schemas.microsoft.com/office/drawing/2014/main" id="{F16E9F06-D409-4D9F-93CD-0F620B686E1A}"/>
+              </a:ext>
+            </a:extLst>
+          </p:cNvPr>
+          <p:cNvSpPr>
+            <a:spLocks noGrp="1"/>
+          </p:cNvSpPr>
+          <p:nvPr>
+            <p:ph type="title"/>
+          </p:nvPr>
+        </p:nvSpPr>
+        <p:spPr/>
+        <p:txBody>
+          <a:bodyPr/>
+          <a:lstStyle/>
+          <a:p>
+            <a:r>
+              <a:rPr lang="fi-FI" dirty="0" err="1"/>
+              <a:t>What</a:t>
+            </a:r>
+            <a:r>
+              <a:rPr lang="fi-FI" dirty="0"/>
+              <a:t> to </a:t>
+            </a:r>
+            <a:r>
+              <a:rPr lang="fi-FI" dirty="0" err="1"/>
+              <a:t>do</a:t>
+            </a:r>
+            <a:r>
+              <a:rPr lang="fi-FI" dirty="0"/>
+              <a:t> </a:t>
+            </a:r>
+            <a:r>
+              <a:rPr lang="fi-FI" dirty="0" err="1"/>
+              <a:t>with</a:t>
+            </a:r>
+            <a:r>
+              <a:rPr lang="fi-FI" dirty="0"/>
+              <a:t> </a:t>
+            </a:r>
+            <a:r>
+              <a:rPr lang="fi-FI" dirty="0" err="1"/>
+              <a:t>the</a:t>
+            </a:r>
+            <a:r>
+              <a:rPr lang="fi-FI" dirty="0"/>
+              <a:t> </a:t>
+            </a:r>
+            <a:r>
+              <a:rPr lang="fi-FI" dirty="0" err="1"/>
+              <a:t>lyrics</a:t>
+            </a:r>
+            <a:r>
+              <a:rPr lang="fi-FI" dirty="0"/>
+              <a:t>?</a:t>
+            </a:r>
+          </a:p>
+        </p:txBody>
+      </p:sp>
+      <p:sp>
+        <p:nvSpPr>
+          <p:cNvPr id="3" name="Content Placeholder 2">
+            <a:extLst>
+              <a:ext uri="{FF2B5EF4-FFF2-40B4-BE49-F238E27FC236}">
+                <a16:creationId xmlns:a16="http://schemas.microsoft.com/office/drawing/2014/main" id="{AB2AD06A-140A-4198-B447-2E594697C8C1}"/>
+              </a:ext>
+            </a:extLst>
+          </p:cNvPr>
+          <p:cNvSpPr>
+            <a:spLocks noGrp="1"/>
+          </p:cNvSpPr>
+          <p:nvPr>
+            <p:ph idx="1"/>
+          </p:nvPr>
+        </p:nvSpPr>
+        <p:spPr/>
+        <p:txBody>
+          <a:bodyPr/>
+          <a:lstStyle/>
+          <a:p>
+            <a:r>
+              <a:rPr lang="fi-FI" dirty="0" err="1"/>
+              <a:t>Apply</a:t>
+            </a:r>
+            <a:r>
+              <a:rPr lang="fi-FI" dirty="0"/>
+              <a:t> </a:t>
+            </a:r>
+            <a:r>
+              <a:rPr lang="fi-FI" dirty="0" err="1"/>
+              <a:t>human</a:t>
+            </a:r>
+            <a:r>
+              <a:rPr lang="fi-FI" dirty="0"/>
+              <a:t> </a:t>
+            </a:r>
+            <a:r>
+              <a:rPr lang="fi-FI" dirty="0" err="1"/>
+              <a:t>moderation</a:t>
+            </a:r>
+            <a:endParaRPr lang="fi-FI" dirty="0"/>
+          </a:p>
+          <a:p>
+            <a:r>
+              <a:rPr lang="fi-FI" dirty="0" err="1"/>
+              <a:t>Check</a:t>
+            </a:r>
+            <a:r>
+              <a:rPr lang="fi-FI" dirty="0"/>
+              <a:t> </a:t>
+            </a:r>
+            <a:r>
+              <a:rPr lang="fi-FI" dirty="0" err="1"/>
+              <a:t>generated</a:t>
+            </a:r>
+            <a:r>
+              <a:rPr lang="fi-FI" dirty="0"/>
+              <a:t> </a:t>
+            </a:r>
+            <a:r>
+              <a:rPr lang="fi-FI" dirty="0" err="1"/>
+              <a:t>word</a:t>
+            </a:r>
+            <a:r>
+              <a:rPr lang="fi-FI" dirty="0"/>
+              <a:t> </a:t>
+            </a:r>
+            <a:r>
+              <a:rPr lang="fi-FI" dirty="0" err="1"/>
+              <a:t>against</a:t>
+            </a:r>
+            <a:r>
+              <a:rPr lang="fi-FI" dirty="0"/>
+              <a:t> a </a:t>
+            </a:r>
+            <a:r>
+              <a:rPr lang="fi-FI" dirty="0" err="1"/>
+              <a:t>list</a:t>
+            </a:r>
+            <a:r>
+              <a:rPr lang="fi-FI" dirty="0"/>
+              <a:t> of </a:t>
+            </a:r>
+            <a:r>
+              <a:rPr lang="fi-FI" dirty="0" err="1"/>
+              <a:t>words</a:t>
+            </a:r>
+            <a:r>
+              <a:rPr lang="fi-FI" dirty="0"/>
+              <a:t> </a:t>
+            </a:r>
+            <a:r>
+              <a:rPr lang="fi-FI" dirty="0" err="1"/>
+              <a:t>from</a:t>
+            </a:r>
+            <a:r>
+              <a:rPr lang="fi-FI" dirty="0"/>
+              <a:t> </a:t>
+            </a:r>
+            <a:r>
+              <a:rPr lang="fi-FI" dirty="0" err="1"/>
+              <a:t>the</a:t>
+            </a:r>
+            <a:r>
+              <a:rPr lang="fi-FI" dirty="0"/>
+              <a:t> </a:t>
+            </a:r>
+            <a:r>
+              <a:rPr lang="fi-FI" dirty="0" err="1"/>
+              <a:t>training</a:t>
+            </a:r>
+            <a:r>
+              <a:rPr lang="fi-FI" dirty="0"/>
+              <a:t> data</a:t>
+            </a:r>
+          </a:p>
+          <a:p>
+            <a:endParaRPr lang="fi-FI" dirty="0"/>
+          </a:p>
+          <a:p>
+            <a:r>
+              <a:rPr lang="fi-FI" dirty="0" err="1"/>
+              <a:t>Or</a:t>
+            </a:r>
+            <a:r>
+              <a:rPr lang="fi-FI" dirty="0"/>
+              <a:t> just </a:t>
+            </a:r>
+            <a:r>
+              <a:rPr lang="fi-FI" dirty="0" err="1"/>
+              <a:t>use</a:t>
+            </a:r>
+            <a:r>
+              <a:rPr lang="fi-FI" dirty="0"/>
+              <a:t> </a:t>
+            </a:r>
+            <a:r>
+              <a:rPr lang="fi-FI" dirty="0" err="1"/>
+              <a:t>them</a:t>
+            </a:r>
+            <a:r>
+              <a:rPr lang="fi-FI" dirty="0"/>
+              <a:t> </a:t>
+            </a:r>
+            <a:r>
+              <a:rPr lang="fi-FI" dirty="0" err="1"/>
+              <a:t>with</a:t>
+            </a:r>
+            <a:r>
+              <a:rPr lang="fi-FI" dirty="0"/>
+              <a:t> </a:t>
+            </a:r>
+            <a:r>
+              <a:rPr lang="fi-FI" dirty="0" err="1"/>
+              <a:t>Ditty</a:t>
+            </a:r>
+            <a:r>
+              <a:rPr lang="fi-FI" dirty="0"/>
+              <a:t> for </a:t>
+            </a:r>
+            <a:r>
+              <a:rPr lang="fi-FI" dirty="0" err="1"/>
+              <a:t>fun</a:t>
+            </a:r>
+            <a:r>
+              <a:rPr lang="fi-FI" dirty="0"/>
+              <a:t>!</a:t>
+            </a:r>
+          </a:p>
+          <a:p>
+            <a:pPr marL="0" indent="0">
+              <a:buNone/>
+            </a:pPr>
+            <a:endParaRPr lang="fi-FI" dirty="0"/>
+          </a:p>
+        </p:txBody>
+      </p:sp>
+    </p:spTree>
+    <p:extLst>
+      <p:ext uri="{BB962C8B-B14F-4D97-AF65-F5344CB8AC3E}">
+        <p14:creationId xmlns:p14="http://schemas.microsoft.com/office/powerpoint/2010/main" val="2131827018"/>
       </p:ext>
     </p:extLst>
   </p:cSld>

--- a/presentation.pptx
+++ b/presentation.pptx
@@ -27716,6 +27716,15 @@
           <a:p>
             <a:r>
               <a:rPr lang="en-GB" dirty="0"/>
+              <a:t>Create an application that learns to generate new lyrics based on existing lyrics</a:t>
+            </a:r>
+          </a:p>
+          <a:p>
+            <a:endParaRPr lang="en-GB" dirty="0"/>
+          </a:p>
+          <a:p>
+            <a:r>
+              <a:rPr lang="en-GB" dirty="0"/>
               <a:t>Idea for a Gofore </a:t>
             </a:r>
             <a:r>
@@ -28115,18 +28124,6 @@
           <a:lstStyle/>
           <a:p>
             <a:r>
-              <a:rPr lang="fi-FI" dirty="0">
-                <a:hlinkClick r:id="rId3"/>
-              </a:rPr>
-              <a:t>https://github.com/antsim/sausage-ai</a:t>
-            </a:r>
-            <a:endParaRPr lang="fi-FI" dirty="0"/>
-          </a:p>
-          <a:p>
-            <a:endParaRPr lang="fi-FI" dirty="0"/>
-          </a:p>
-          <a:p>
-            <a:r>
               <a:rPr lang="fi-FI" dirty="0" err="1"/>
               <a:t>Load</a:t>
             </a:r>
@@ -28291,6 +28288,57 @@
             <a:r>
               <a:rPr lang="fi-FI" dirty="0"/>
               <a:t>Train </a:t>
+            </a:r>
+            <a:r>
+              <a:rPr lang="fi-FI" dirty="0" err="1"/>
+              <a:t>model</a:t>
+            </a:r>
+            <a:endParaRPr lang="fi-FI" dirty="0"/>
+          </a:p>
+          <a:p>
+            <a:r>
+              <a:rPr lang="fi-FI" dirty="0"/>
+              <a:t>Output </a:t>
+            </a:r>
+            <a:r>
+              <a:rPr lang="fi-FI" dirty="0" err="1"/>
+              <a:t>characters</a:t>
+            </a:r>
+            <a:r>
+              <a:rPr lang="fi-FI" dirty="0"/>
+              <a:t> </a:t>
+            </a:r>
+            <a:r>
+              <a:rPr lang="fi-FI" dirty="0" err="1"/>
+              <a:t>based</a:t>
+            </a:r>
+            <a:r>
+              <a:rPr lang="fi-FI" dirty="0"/>
+              <a:t> on </a:t>
+            </a:r>
+            <a:r>
+              <a:rPr lang="fi-FI" dirty="0" err="1"/>
+              <a:t>predictions</a:t>
+            </a:r>
+            <a:r>
+              <a:rPr lang="fi-FI" dirty="0"/>
+              <a:t> </a:t>
+            </a:r>
+            <a:r>
+              <a:rPr lang="fi-FI" dirty="0" err="1"/>
+              <a:t>by</a:t>
+            </a:r>
+            <a:r>
+              <a:rPr lang="fi-FI" dirty="0"/>
+              <a:t> </a:t>
+            </a:r>
+            <a:r>
+              <a:rPr lang="fi-FI" dirty="0" err="1"/>
+              <a:t>the</a:t>
+            </a:r>
+            <a:r>
+              <a:rPr lang="fi-FI" dirty="0"/>
+              <a:t> </a:t>
             </a:r>
             <a:r>
               <a:rPr lang="fi-FI" dirty="0" err="1"/>
